--- a/PLDI-2012/diagrams.pptx
+++ b/PLDI-2012/diagrams.pptx
@@ -3095,324 +3095,325 @@
           <a:chExt cx="0" cy="0"/>
         </a:xfrm>
       </p:grpSpPr>
-      <p:sp>
-        <p:nvSpPr>
-          <p:cNvPr id="20" name="Oval 19"/>
-          <p:cNvSpPr/>
-          <p:nvPr/>
-        </p:nvSpPr>
-        <p:spPr>
-          <a:xfrm>
-            <a:off x="1371600" y="2785533"/>
-            <a:ext cx="766689" cy="237067"/>
-          </a:xfrm>
-          <a:prstGeom prst="ellipse">
-            <a:avLst/>
-          </a:prstGeom>
-          <a:solidFill>
-            <a:srgbClr val="FFFFFF"/>
-          </a:solidFill>
-          <a:ln w="12700" cmpd="sng">
-            <a:solidFill>
-              <a:srgbClr val="000000"/>
-            </a:solidFill>
-          </a:ln>
-          <a:effectLst/>
-        </p:spPr>
-        <p:style>
-          <a:lnRef idx="1">
-            <a:schemeClr val="accent1"/>
-          </a:lnRef>
-          <a:fillRef idx="3">
-            <a:schemeClr val="accent1"/>
-          </a:fillRef>
-          <a:effectRef idx="2">
-            <a:schemeClr val="accent1"/>
-          </a:effectRef>
-          <a:fontRef idx="minor">
-            <a:schemeClr val="lt1"/>
-          </a:fontRef>
-        </p:style>
-        <p:txBody>
-          <a:bodyPr rtlCol="0" anchor="ctr"/>
-          <a:lstStyle/>
-          <a:p>
-            <a:pPr algn="ctr"/>
-            <a:endParaRPr lang="en-US"/>
-          </a:p>
-        </p:txBody>
-      </p:sp>
-      <p:sp>
-        <p:nvSpPr>
-          <p:cNvPr id="21" name="Oval 20"/>
-          <p:cNvSpPr/>
-          <p:nvPr/>
-        </p:nvSpPr>
-        <p:spPr>
-          <a:xfrm>
-            <a:off x="2370667" y="2785533"/>
-            <a:ext cx="766689" cy="237067"/>
-          </a:xfrm>
-          <a:prstGeom prst="ellipse">
-            <a:avLst/>
-          </a:prstGeom>
-          <a:solidFill>
-            <a:srgbClr val="FFFFFF"/>
-          </a:solidFill>
-          <a:ln w="12700" cmpd="sng">
-            <a:solidFill>
-              <a:srgbClr val="000000"/>
-            </a:solidFill>
-          </a:ln>
-          <a:effectLst/>
-        </p:spPr>
-        <p:style>
-          <a:lnRef idx="1">
-            <a:schemeClr val="accent1"/>
-          </a:lnRef>
-          <a:fillRef idx="3">
-            <a:schemeClr val="accent1"/>
-          </a:fillRef>
-          <a:effectRef idx="2">
-            <a:schemeClr val="accent1"/>
-          </a:effectRef>
-          <a:fontRef idx="minor">
-            <a:schemeClr val="lt1"/>
-          </a:fontRef>
-        </p:style>
-        <p:txBody>
-          <a:bodyPr rtlCol="0" anchor="ctr"/>
-          <a:lstStyle/>
-          <a:p>
-            <a:pPr algn="ctr"/>
-            <a:endParaRPr lang="en-US"/>
-          </a:p>
-        </p:txBody>
-      </p:sp>
-      <p:sp>
-        <p:nvSpPr>
-          <p:cNvPr id="22" name="Oval 21"/>
-          <p:cNvSpPr/>
-          <p:nvPr/>
-        </p:nvSpPr>
-        <p:spPr>
-          <a:xfrm>
-            <a:off x="1879601" y="3412066"/>
-            <a:ext cx="766689" cy="237067"/>
-          </a:xfrm>
-          <a:prstGeom prst="ellipse">
-            <a:avLst/>
-          </a:prstGeom>
-          <a:solidFill>
-            <a:schemeClr val="tx1"/>
-          </a:solidFill>
-          <a:ln w="12700" cmpd="sng">
-            <a:solidFill>
-              <a:srgbClr val="000000"/>
-            </a:solidFill>
-          </a:ln>
-          <a:effectLst/>
-        </p:spPr>
-        <p:style>
-          <a:lnRef idx="1">
-            <a:schemeClr val="accent1"/>
-          </a:lnRef>
-          <a:fillRef idx="3">
-            <a:schemeClr val="accent1"/>
-          </a:fillRef>
-          <a:effectRef idx="2">
-            <a:schemeClr val="accent1"/>
-          </a:effectRef>
-          <a:fontRef idx="minor">
-            <a:schemeClr val="lt1"/>
-          </a:fontRef>
-        </p:style>
-        <p:txBody>
-          <a:bodyPr rtlCol="0" anchor="ctr"/>
-          <a:lstStyle/>
-          <a:p>
-            <a:pPr algn="ctr"/>
-            <a:endParaRPr lang="en-US">
-              <a:solidFill>
-                <a:schemeClr val="bg1"/>
-              </a:solidFill>
-            </a:endParaRPr>
-          </a:p>
-        </p:txBody>
-      </p:sp>
-      <p:cxnSp>
-        <p:nvCxnSpPr>
-          <p:cNvPr id="24" name="Straight Arrow Connector 23"/>
-          <p:cNvCxnSpPr>
-            <a:stCxn id="61" idx="2"/>
-            <a:endCxn id="20" idx="0"/>
-          </p:cNvCxnSpPr>
-          <p:nvPr/>
-        </p:nvCxnSpPr>
-        <p:spPr>
-          <a:xfrm>
-            <a:off x="1754902" y="2587377"/>
-            <a:ext cx="43" cy="198156"/>
-          </a:xfrm>
-          <a:prstGeom prst="straightConnector1">
-            <a:avLst/>
-          </a:prstGeom>
-          <a:ln w="12700" cmpd="sng">
-            <a:solidFill>
-              <a:srgbClr val="000000"/>
-            </a:solidFill>
-            <a:tailEnd type="arrow"/>
-          </a:ln>
-          <a:effectLst/>
-        </p:spPr>
-        <p:style>
-          <a:lnRef idx="2">
-            <a:schemeClr val="accent1"/>
-          </a:lnRef>
-          <a:fillRef idx="0">
-            <a:schemeClr val="accent1"/>
-          </a:fillRef>
-          <a:effectRef idx="1">
-            <a:schemeClr val="accent1"/>
-          </a:effectRef>
-          <a:fontRef idx="minor">
-            <a:schemeClr val="tx1"/>
-          </a:fontRef>
-        </p:style>
-      </p:cxnSp>
-      <p:cxnSp>
-        <p:nvCxnSpPr>
-          <p:cNvPr id="26" name="Straight Arrow Connector 25"/>
-          <p:cNvCxnSpPr>
-            <a:endCxn id="21" idx="0"/>
-          </p:cNvCxnSpPr>
-          <p:nvPr/>
-        </p:nvCxnSpPr>
-        <p:spPr>
-          <a:xfrm>
-            <a:off x="2754012" y="2605290"/>
-            <a:ext cx="0" cy="180243"/>
-          </a:xfrm>
-          <a:prstGeom prst="straightConnector1">
-            <a:avLst/>
-          </a:prstGeom>
-          <a:ln w="12700" cmpd="sng">
-            <a:solidFill>
-              <a:srgbClr val="000000"/>
-            </a:solidFill>
-            <a:tailEnd type="arrow"/>
-          </a:ln>
-          <a:effectLst/>
-        </p:spPr>
-        <p:style>
-          <a:lnRef idx="2">
-            <a:schemeClr val="accent1"/>
-          </a:lnRef>
-          <a:fillRef idx="0">
-            <a:schemeClr val="accent1"/>
-          </a:fillRef>
-          <a:effectRef idx="1">
-            <a:schemeClr val="accent1"/>
-          </a:effectRef>
-          <a:fontRef idx="minor">
-            <a:schemeClr val="tx1"/>
-          </a:fontRef>
-        </p:style>
-      </p:cxnSp>
-      <p:cxnSp>
-        <p:nvCxnSpPr>
-          <p:cNvPr id="28" name="Straight Arrow Connector 27"/>
-          <p:cNvCxnSpPr>
-            <a:stCxn id="20" idx="4"/>
-            <a:endCxn id="22" idx="0"/>
-          </p:cNvCxnSpPr>
-          <p:nvPr/>
-        </p:nvCxnSpPr>
-        <p:spPr>
-          <a:xfrm>
-            <a:off x="1754945" y="3022600"/>
-            <a:ext cx="508001" cy="389466"/>
-          </a:xfrm>
-          <a:prstGeom prst="straightConnector1">
-            <a:avLst/>
-          </a:prstGeom>
-          <a:ln w="12700" cmpd="sng">
-            <a:solidFill>
-              <a:srgbClr val="000000"/>
-            </a:solidFill>
-            <a:tailEnd type="arrow"/>
-          </a:ln>
-          <a:effectLst/>
-        </p:spPr>
-        <p:style>
-          <a:lnRef idx="2">
-            <a:schemeClr val="accent1"/>
-          </a:lnRef>
-          <a:fillRef idx="0">
-            <a:schemeClr val="accent1"/>
-          </a:fillRef>
-          <a:effectRef idx="1">
-            <a:schemeClr val="accent1"/>
-          </a:effectRef>
-          <a:fontRef idx="minor">
-            <a:schemeClr val="tx1"/>
-          </a:fontRef>
-        </p:style>
-      </p:cxnSp>
-      <p:cxnSp>
-        <p:nvCxnSpPr>
-          <p:cNvPr id="30" name="Straight Arrow Connector 29"/>
-          <p:cNvCxnSpPr>
-            <a:stCxn id="21" idx="4"/>
-            <a:endCxn id="22" idx="0"/>
-          </p:cNvCxnSpPr>
-          <p:nvPr/>
-        </p:nvCxnSpPr>
-        <p:spPr>
-          <a:xfrm flipH="1">
-            <a:off x="2262946" y="3022600"/>
-            <a:ext cx="491066" cy="389466"/>
-          </a:xfrm>
-          <a:prstGeom prst="straightConnector1">
-            <a:avLst/>
-          </a:prstGeom>
-          <a:ln w="12700" cmpd="sng">
-            <a:solidFill>
-              <a:srgbClr val="000000"/>
-            </a:solidFill>
-            <a:tailEnd type="arrow"/>
-          </a:ln>
-          <a:effectLst/>
-        </p:spPr>
-        <p:style>
-          <a:lnRef idx="2">
-            <a:schemeClr val="accent1"/>
-          </a:lnRef>
-          <a:fillRef idx="0">
-            <a:schemeClr val="accent1"/>
-          </a:fillRef>
-          <a:effectRef idx="1">
-            <a:schemeClr val="accent1"/>
-          </a:effectRef>
-          <a:fontRef idx="minor">
-            <a:schemeClr val="tx1"/>
-          </a:fontRef>
-        </p:style>
-      </p:cxnSp>
       <p:grpSp>
         <p:nvGrpSpPr>
-          <p:cNvPr id="40" name="Group 39"/>
+          <p:cNvPr id="127" name="Group 126"/>
           <p:cNvGrpSpPr/>
           <p:nvPr/>
         </p:nvGrpSpPr>
         <p:grpSpPr>
           <a:xfrm>
-            <a:off x="1371600" y="679379"/>
-            <a:ext cx="1617067" cy="2986219"/>
-            <a:chOff x="1399345" y="631956"/>
-            <a:chExt cx="1617067" cy="2986219"/>
+            <a:off x="1100668" y="679373"/>
+            <a:ext cx="2292613" cy="3316895"/>
+            <a:chOff x="1100668" y="679373"/>
+            <a:chExt cx="2292613" cy="3316895"/>
           </a:xfrm>
         </p:grpSpPr>
+        <p:sp>
+          <p:nvSpPr>
+            <p:cNvPr id="20" name="Oval 19"/>
+            <p:cNvSpPr/>
+            <p:nvPr/>
+          </p:nvSpPr>
+          <p:spPr>
+            <a:xfrm>
+              <a:off x="1100668" y="2785533"/>
+              <a:ext cx="1037622" cy="237067"/>
+            </a:xfrm>
+            <a:prstGeom prst="ellipse">
+              <a:avLst/>
+            </a:prstGeom>
+            <a:solidFill>
+              <a:srgbClr val="FFFFFF"/>
+            </a:solidFill>
+            <a:ln w="12700" cmpd="sng">
+              <a:solidFill>
+                <a:srgbClr val="000000"/>
+              </a:solidFill>
+            </a:ln>
+            <a:effectLst/>
+          </p:spPr>
+          <p:style>
+            <a:lnRef idx="1">
+              <a:schemeClr val="accent1"/>
+            </a:lnRef>
+            <a:fillRef idx="3">
+              <a:schemeClr val="accent1"/>
+            </a:fillRef>
+            <a:effectRef idx="2">
+              <a:schemeClr val="accent1"/>
+            </a:effectRef>
+            <a:fontRef idx="minor">
+              <a:schemeClr val="lt1"/>
+            </a:fontRef>
+          </p:style>
+          <p:txBody>
+            <a:bodyPr rtlCol="0" anchor="ctr"/>
+            <a:lstStyle/>
+            <a:p>
+              <a:pPr algn="ctr"/>
+              <a:endParaRPr lang="en-US"/>
+            </a:p>
+          </p:txBody>
+        </p:sp>
+        <p:sp>
+          <p:nvSpPr>
+            <p:cNvPr id="21" name="Oval 20"/>
+            <p:cNvSpPr/>
+            <p:nvPr/>
+          </p:nvSpPr>
+          <p:spPr>
+            <a:xfrm>
+              <a:off x="2377281" y="2785533"/>
+              <a:ext cx="1016000" cy="237067"/>
+            </a:xfrm>
+            <a:prstGeom prst="ellipse">
+              <a:avLst/>
+            </a:prstGeom>
+            <a:solidFill>
+              <a:srgbClr val="FFFFFF"/>
+            </a:solidFill>
+            <a:ln w="12700" cmpd="sng">
+              <a:solidFill>
+                <a:srgbClr val="000000"/>
+              </a:solidFill>
+            </a:ln>
+            <a:effectLst/>
+          </p:spPr>
+          <p:style>
+            <a:lnRef idx="1">
+              <a:schemeClr val="accent1"/>
+            </a:lnRef>
+            <a:fillRef idx="3">
+              <a:schemeClr val="accent1"/>
+            </a:fillRef>
+            <a:effectRef idx="2">
+              <a:schemeClr val="accent1"/>
+            </a:effectRef>
+            <a:fontRef idx="minor">
+              <a:schemeClr val="lt1"/>
+            </a:fontRef>
+          </p:style>
+          <p:txBody>
+            <a:bodyPr rtlCol="0" anchor="ctr"/>
+            <a:lstStyle/>
+            <a:p>
+              <a:pPr algn="ctr"/>
+              <a:endParaRPr lang="en-US"/>
+            </a:p>
+          </p:txBody>
+        </p:sp>
+        <p:sp>
+          <p:nvSpPr>
+            <p:cNvPr id="22" name="Oval 21"/>
+            <p:cNvSpPr/>
+            <p:nvPr/>
+          </p:nvSpPr>
+          <p:spPr>
+            <a:xfrm>
+              <a:off x="1515520" y="3445934"/>
+              <a:ext cx="1520295" cy="550334"/>
+            </a:xfrm>
+            <a:prstGeom prst="ellipse">
+              <a:avLst/>
+            </a:prstGeom>
+            <a:solidFill>
+              <a:schemeClr val="tx1"/>
+            </a:solidFill>
+            <a:ln w="12700" cmpd="sng">
+              <a:solidFill>
+                <a:srgbClr val="000000"/>
+              </a:solidFill>
+            </a:ln>
+            <a:effectLst/>
+          </p:spPr>
+          <p:style>
+            <a:lnRef idx="1">
+              <a:schemeClr val="accent1"/>
+            </a:lnRef>
+            <a:fillRef idx="3">
+              <a:schemeClr val="accent1"/>
+            </a:fillRef>
+            <a:effectRef idx="2">
+              <a:schemeClr val="accent1"/>
+            </a:effectRef>
+            <a:fontRef idx="minor">
+              <a:schemeClr val="lt1"/>
+            </a:fontRef>
+          </p:style>
+          <p:txBody>
+            <a:bodyPr rtlCol="0" anchor="ctr"/>
+            <a:lstStyle/>
+            <a:p>
+              <a:pPr algn="ctr"/>
+              <a:endParaRPr lang="en-US">
+                <a:solidFill>
+                  <a:schemeClr val="bg1"/>
+                </a:solidFill>
+              </a:endParaRPr>
+            </a:p>
+          </p:txBody>
+        </p:sp>
+        <p:cxnSp>
+          <p:nvCxnSpPr>
+            <p:cNvPr id="24" name="Straight Arrow Connector 23"/>
+            <p:cNvCxnSpPr>
+              <a:stCxn id="61" idx="2"/>
+              <a:endCxn id="20" idx="0"/>
+            </p:cNvCxnSpPr>
+            <p:nvPr/>
+          </p:nvCxnSpPr>
+          <p:spPr>
+            <a:xfrm flipH="1">
+              <a:off x="1619479" y="2587377"/>
+              <a:ext cx="146491" cy="198156"/>
+            </a:xfrm>
+            <a:prstGeom prst="straightConnector1">
+              <a:avLst/>
+            </a:prstGeom>
+            <a:ln w="12700" cmpd="sng">
+              <a:solidFill>
+                <a:srgbClr val="000000"/>
+              </a:solidFill>
+              <a:tailEnd type="arrow"/>
+            </a:ln>
+            <a:effectLst/>
+          </p:spPr>
+          <p:style>
+            <a:lnRef idx="2">
+              <a:schemeClr val="accent1"/>
+            </a:lnRef>
+            <a:fillRef idx="0">
+              <a:schemeClr val="accent1"/>
+            </a:fillRef>
+            <a:effectRef idx="1">
+              <a:schemeClr val="accent1"/>
+            </a:effectRef>
+            <a:fontRef idx="minor">
+              <a:schemeClr val="tx1"/>
+            </a:fontRef>
+          </p:style>
+        </p:cxnSp>
+        <p:cxnSp>
+          <p:nvCxnSpPr>
+            <p:cNvPr id="26" name="Straight Arrow Connector 25"/>
+            <p:cNvCxnSpPr>
+              <a:stCxn id="110" idx="2"/>
+              <a:endCxn id="21" idx="0"/>
+            </p:cNvCxnSpPr>
+            <p:nvPr/>
+          </p:nvCxnSpPr>
+          <p:spPr>
+            <a:xfrm>
+              <a:off x="2802099" y="2587371"/>
+              <a:ext cx="83182" cy="198162"/>
+            </a:xfrm>
+            <a:prstGeom prst="straightConnector1">
+              <a:avLst/>
+            </a:prstGeom>
+            <a:ln w="12700" cmpd="sng">
+              <a:solidFill>
+                <a:srgbClr val="000000"/>
+              </a:solidFill>
+              <a:tailEnd type="arrow"/>
+            </a:ln>
+            <a:effectLst/>
+          </p:spPr>
+          <p:style>
+            <a:lnRef idx="2">
+              <a:schemeClr val="accent1"/>
+            </a:lnRef>
+            <a:fillRef idx="0">
+              <a:schemeClr val="accent1"/>
+            </a:fillRef>
+            <a:effectRef idx="1">
+              <a:schemeClr val="accent1"/>
+            </a:effectRef>
+            <a:fontRef idx="minor">
+              <a:schemeClr val="tx1"/>
+            </a:fontRef>
+          </p:style>
+        </p:cxnSp>
+        <p:cxnSp>
+          <p:nvCxnSpPr>
+            <p:cNvPr id="28" name="Straight Arrow Connector 27"/>
+            <p:cNvCxnSpPr>
+              <a:stCxn id="20" idx="4"/>
+              <a:endCxn id="22" idx="0"/>
+            </p:cNvCxnSpPr>
+            <p:nvPr/>
+          </p:nvCxnSpPr>
+          <p:spPr>
+            <a:xfrm>
+              <a:off x="1619479" y="3022600"/>
+              <a:ext cx="656189" cy="423334"/>
+            </a:xfrm>
+            <a:prstGeom prst="straightConnector1">
+              <a:avLst/>
+            </a:prstGeom>
+            <a:ln w="12700" cmpd="sng">
+              <a:solidFill>
+                <a:srgbClr val="000000"/>
+              </a:solidFill>
+              <a:tailEnd type="arrow"/>
+            </a:ln>
+            <a:effectLst/>
+          </p:spPr>
+          <p:style>
+            <a:lnRef idx="2">
+              <a:schemeClr val="accent1"/>
+            </a:lnRef>
+            <a:fillRef idx="0">
+              <a:schemeClr val="accent1"/>
+            </a:fillRef>
+            <a:effectRef idx="1">
+              <a:schemeClr val="accent1"/>
+            </a:effectRef>
+            <a:fontRef idx="minor">
+              <a:schemeClr val="tx1"/>
+            </a:fontRef>
+          </p:style>
+        </p:cxnSp>
+        <p:cxnSp>
+          <p:nvCxnSpPr>
+            <p:cNvPr id="30" name="Straight Arrow Connector 29"/>
+            <p:cNvCxnSpPr>
+              <a:stCxn id="21" idx="4"/>
+              <a:endCxn id="22" idx="0"/>
+            </p:cNvCxnSpPr>
+            <p:nvPr/>
+          </p:nvCxnSpPr>
+          <p:spPr>
+            <a:xfrm flipH="1">
+              <a:off x="2275668" y="3022600"/>
+              <a:ext cx="609613" cy="423334"/>
+            </a:xfrm>
+            <a:prstGeom prst="straightConnector1">
+              <a:avLst/>
+            </a:prstGeom>
+            <a:ln w="12700" cmpd="sng">
+              <a:solidFill>
+                <a:srgbClr val="000000"/>
+              </a:solidFill>
+              <a:tailEnd type="arrow"/>
+            </a:ln>
+            <a:effectLst/>
+          </p:spPr>
+          <p:style>
+            <a:lnRef idx="2">
+              <a:schemeClr val="accent1"/>
+            </a:lnRef>
+            <a:fillRef idx="0">
+              <a:schemeClr val="accent1"/>
+            </a:fillRef>
+            <a:effectRef idx="1">
+              <a:schemeClr val="accent1"/>
+            </a:effectRef>
+            <a:fontRef idx="minor">
+              <a:schemeClr val="tx1"/>
+            </a:fontRef>
+          </p:style>
+        </p:cxnSp>
         <p:sp>
           <p:nvSpPr>
             <p:cNvPr id="4" name="Rectangle 3"/>
@@ -3421,7 +3422,7 @@
           </p:nvSpPr>
           <p:spPr>
             <a:xfrm>
-              <a:off x="1399345" y="691225"/>
+              <a:off x="1382626" y="738648"/>
               <a:ext cx="766689" cy="225050"/>
             </a:xfrm>
             <a:prstGeom prst="rect">
@@ -3468,8 +3469,39 @@
           </p:nvSpPr>
           <p:spPr>
             <a:xfrm>
-              <a:off x="1594176" y="631956"/>
-              <a:ext cx="377026" cy="307777"/>
+              <a:off x="1491646" y="679379"/>
+              <a:ext cx="548648" cy="307777"/>
+            </a:xfrm>
+            <a:prstGeom prst="rect">
+              <a:avLst/>
+            </a:prstGeom>
+            <a:noFill/>
+          </p:spPr>
+          <p:txBody>
+            <a:bodyPr wrap="none" rtlCol="0">
+              <a:spAutoFit/>
+            </a:bodyPr>
+            <a:lstStyle/>
+            <a:p>
+              <a:pPr algn="ctr"/>
+              <a:r>
+                <a:rPr lang="en-US" sz="1400" dirty="0" smtClean="0"/>
+                <a:t>1150</a:t>
+              </a:r>
+              <a:endParaRPr lang="en-US" sz="1400" dirty="0"/>
+            </a:p>
+          </p:txBody>
+        </p:sp>
+        <p:sp>
+          <p:nvSpPr>
+            <p:cNvPr id="111" name="TextBox 110"/>
+            <p:cNvSpPr txBox="1"/>
+            <p:nvPr/>
+          </p:nvSpPr>
+          <p:spPr>
+            <a:xfrm>
+              <a:off x="1147685" y="2756686"/>
+              <a:ext cx="943588" cy="276999"/>
             </a:xfrm>
             <a:prstGeom prst="rect">
               <a:avLst/>
@@ -3483,23 +3515,23 @@
             <a:lstStyle/>
             <a:p>
               <a:r>
-                <a:rPr lang="en-US" sz="1400" dirty="0" smtClean="0"/>
-                <a:t>B2</a:t>
+                <a:rPr lang="en-US" sz="1200" dirty="0" smtClean="0"/>
+                <a:t>SUM(B2:B9)</a:t>
               </a:r>
-              <a:endParaRPr lang="en-US" sz="1400" dirty="0"/>
+              <a:endParaRPr lang="en-US" sz="1200" dirty="0"/>
             </a:p>
           </p:txBody>
         </p:sp>
         <p:sp>
           <p:nvSpPr>
-            <p:cNvPr id="111" name="TextBox 110"/>
+            <p:cNvPr id="114" name="TextBox 113"/>
             <p:cNvSpPr txBox="1"/>
             <p:nvPr/>
           </p:nvSpPr>
           <p:spPr>
             <a:xfrm>
-              <a:off x="1549293" y="2692331"/>
-              <a:ext cx="466794" cy="307777"/>
+              <a:off x="1576130" y="3459425"/>
+              <a:ext cx="1386367" cy="523220"/>
             </a:xfrm>
             <a:prstGeom prst="rect">
               <a:avLst/>
@@ -3512,77 +3544,29 @@
             </a:bodyPr>
             <a:lstStyle/>
             <a:p>
-              <a:r>
-                <a:rPr lang="en-US" sz="1400" dirty="0" smtClean="0"/>
-                <a:t>B10</a:t>
-              </a:r>
-              <a:endParaRPr lang="en-US" sz="1400" dirty="0"/>
-            </a:p>
-          </p:txBody>
-        </p:sp>
-        <p:sp>
-          <p:nvSpPr>
-            <p:cNvPr id="113" name="TextBox 112"/>
-            <p:cNvSpPr txBox="1"/>
-            <p:nvPr/>
-          </p:nvSpPr>
-          <p:spPr>
-            <a:xfrm>
-              <a:off x="2549618" y="2692331"/>
-              <a:ext cx="466794" cy="307777"/>
-            </a:xfrm>
-            <a:prstGeom prst="rect">
-              <a:avLst/>
-            </a:prstGeom>
-            <a:noFill/>
-          </p:spPr>
-          <p:txBody>
-            <a:bodyPr wrap="none" rtlCol="0">
-              <a:spAutoFit/>
-            </a:bodyPr>
-            <a:lstStyle/>
-            <a:p>
-              <a:r>
-                <a:rPr lang="en-US" sz="1400" dirty="0"/>
-                <a:t>C</a:t>
-              </a:r>
-              <a:r>
-                <a:rPr lang="en-US" sz="1400" dirty="0" smtClean="0"/>
-                <a:t>10</a:t>
-              </a:r>
-              <a:endParaRPr lang="en-US" sz="1400" dirty="0"/>
-            </a:p>
-          </p:txBody>
-        </p:sp>
-        <p:sp>
-          <p:nvSpPr>
-            <p:cNvPr id="114" name="TextBox 113"/>
-            <p:cNvSpPr txBox="1"/>
-            <p:nvPr/>
-          </p:nvSpPr>
-          <p:spPr>
-            <a:xfrm>
-              <a:off x="2061093" y="3310398"/>
-              <a:ext cx="464315" cy="307777"/>
-            </a:xfrm>
-            <a:prstGeom prst="rect">
-              <a:avLst/>
-            </a:prstGeom>
-            <a:noFill/>
-          </p:spPr>
-          <p:txBody>
-            <a:bodyPr wrap="none" rtlCol="0">
-              <a:spAutoFit/>
-            </a:bodyPr>
-            <a:lstStyle/>
-            <a:p>
+              <a:pPr algn="ctr"/>
               <a:r>
                 <a:rPr lang="en-US" sz="1400" dirty="0" smtClean="0">
                   <a:solidFill>
                     <a:srgbClr val="FFFFFF"/>
                   </a:solidFill>
                 </a:rPr>
-                <a:t>B11</a:t>
+                <a:t>IF(B10-C10≥150,</a:t>
+              </a:r>
+              <a:br>
+                <a:rPr lang="en-US" sz="1400" dirty="0" smtClean="0">
+                  <a:solidFill>
+                    <a:srgbClr val="FFFFFF"/>
+                  </a:solidFill>
+                </a:rPr>
+              </a:br>
+              <a:r>
+                <a:rPr lang="en-US" sz="1400" dirty="0" smtClean="0">
+                  <a:solidFill>
+                    <a:srgbClr val="FFFFFF"/>
+                  </a:solidFill>
+                </a:rPr>
+                <a:t>”Yes”,”No”)</a:t>
               </a:r>
               <a:endParaRPr lang="en-US" sz="1400" dirty="0">
                 <a:solidFill>
@@ -3592,21 +3576,6 @@
             </a:p>
           </p:txBody>
         </p:sp>
-      </p:grpSp>
-      <p:grpSp>
-        <p:nvGrpSpPr>
-          <p:cNvPr id="41" name="Group 40"/>
-          <p:cNvGrpSpPr/>
-          <p:nvPr/>
-        </p:nvGrpSpPr>
-        <p:grpSpPr>
-          <a:xfrm>
-            <a:off x="1371594" y="907982"/>
-            <a:ext cx="766689" cy="307777"/>
-            <a:chOff x="1399345" y="631956"/>
-            <a:chExt cx="766689" cy="307777"/>
-          </a:xfrm>
-        </p:grpSpPr>
         <p:sp>
           <p:nvSpPr>
             <p:cNvPr id="42" name="Rectangle 41"/>
@@ -3615,7 +3584,7 @@
           </p:nvSpPr>
           <p:spPr>
             <a:xfrm>
-              <a:off x="1399345" y="691225"/>
+              <a:off x="1382626" y="967251"/>
               <a:ext cx="766689" cy="225050"/>
             </a:xfrm>
             <a:prstGeom prst="rect">
@@ -3662,8 +3631,8 @@
           </p:nvSpPr>
           <p:spPr>
             <a:xfrm>
-              <a:off x="1594176" y="631956"/>
-              <a:ext cx="377026" cy="307777"/>
+              <a:off x="1491646" y="907982"/>
+              <a:ext cx="548648" cy="307777"/>
             </a:xfrm>
             <a:prstGeom prst="rect">
               <a:avLst/>
@@ -3676,29 +3645,15 @@
             </a:bodyPr>
             <a:lstStyle/>
             <a:p>
+              <a:pPr algn="ctr"/>
               <a:r>
                 <a:rPr lang="en-US" sz="1400" dirty="0" smtClean="0"/>
-                <a:t>B3</a:t>
+                <a:t>3675</a:t>
               </a:r>
               <a:endParaRPr lang="en-US" sz="1400" dirty="0"/>
             </a:p>
           </p:txBody>
         </p:sp>
-      </p:grpSp>
-      <p:grpSp>
-        <p:nvGrpSpPr>
-          <p:cNvPr id="44" name="Group 43"/>
-          <p:cNvGrpSpPr/>
-          <p:nvPr/>
-        </p:nvGrpSpPr>
-        <p:grpSpPr>
-          <a:xfrm>
-            <a:off x="1371588" y="1136585"/>
-            <a:ext cx="766689" cy="307777"/>
-            <a:chOff x="1399345" y="631956"/>
-            <a:chExt cx="766689" cy="307777"/>
-          </a:xfrm>
-        </p:grpSpPr>
         <p:sp>
           <p:nvSpPr>
             <p:cNvPr id="45" name="Rectangle 44"/>
@@ -3707,7 +3662,7 @@
           </p:nvSpPr>
           <p:spPr>
             <a:xfrm>
-              <a:off x="1399345" y="691225"/>
+              <a:off x="1382626" y="1195854"/>
               <a:ext cx="766689" cy="225050"/>
             </a:xfrm>
             <a:prstGeom prst="rect">
@@ -3754,8 +3709,8 @@
           </p:nvSpPr>
           <p:spPr>
             <a:xfrm>
-              <a:off x="1594176" y="631956"/>
-              <a:ext cx="377026" cy="307777"/>
+              <a:off x="1582642" y="1136585"/>
+              <a:ext cx="366657" cy="307777"/>
             </a:xfrm>
             <a:prstGeom prst="rect">
               <a:avLst/>
@@ -3768,29 +3723,15 @@
             </a:bodyPr>
             <a:lstStyle/>
             <a:p>
+              <a:pPr algn="ctr"/>
               <a:r>
                 <a:rPr lang="en-US" sz="1400" dirty="0" smtClean="0"/>
-                <a:t>B4</a:t>
+                <a:t>80</a:t>
               </a:r>
               <a:endParaRPr lang="en-US" sz="1400" dirty="0"/>
             </a:p>
           </p:txBody>
         </p:sp>
-      </p:grpSp>
-      <p:grpSp>
-        <p:nvGrpSpPr>
-          <p:cNvPr id="47" name="Group 46"/>
-          <p:cNvGrpSpPr/>
-          <p:nvPr/>
-        </p:nvGrpSpPr>
-        <p:grpSpPr>
-          <a:xfrm>
-            <a:off x="1371582" y="1365188"/>
-            <a:ext cx="766689" cy="307777"/>
-            <a:chOff x="1399345" y="631956"/>
-            <a:chExt cx="766689" cy="307777"/>
-          </a:xfrm>
-        </p:grpSpPr>
         <p:sp>
           <p:nvSpPr>
             <p:cNvPr id="48" name="Rectangle 47"/>
@@ -3799,7 +3740,7 @@
           </p:nvSpPr>
           <p:spPr>
             <a:xfrm>
-              <a:off x="1399345" y="691225"/>
+              <a:off x="1382626" y="1424457"/>
               <a:ext cx="766689" cy="225050"/>
             </a:xfrm>
             <a:prstGeom prst="rect">
@@ -3846,8 +3787,8 @@
           </p:nvSpPr>
           <p:spPr>
             <a:xfrm>
-              <a:off x="1594176" y="631956"/>
-              <a:ext cx="373319" cy="307777"/>
+              <a:off x="1468985" y="1365188"/>
+              <a:ext cx="593970" cy="307777"/>
             </a:xfrm>
             <a:prstGeom prst="rect">
               <a:avLst/>
@@ -3860,29 +3801,15 @@
             </a:bodyPr>
             <a:lstStyle/>
             <a:p>
+              <a:pPr algn="ctr"/>
               <a:r>
                 <a:rPr lang="en-US" sz="1400" dirty="0" smtClean="0"/>
-                <a:t>B5</a:t>
+                <a:t>11.25</a:t>
               </a:r>
               <a:endParaRPr lang="en-US" sz="1400" dirty="0"/>
             </a:p>
           </p:txBody>
         </p:sp>
-      </p:grpSp>
-      <p:grpSp>
-        <p:nvGrpSpPr>
-          <p:cNvPr id="50" name="Group 49"/>
-          <p:cNvGrpSpPr/>
-          <p:nvPr/>
-        </p:nvGrpSpPr>
-        <p:grpSpPr>
-          <a:xfrm>
-            <a:off x="1371576" y="1593791"/>
-            <a:ext cx="766689" cy="307777"/>
-            <a:chOff x="1399345" y="631956"/>
-            <a:chExt cx="766689" cy="307777"/>
-          </a:xfrm>
-        </p:grpSpPr>
         <p:sp>
           <p:nvSpPr>
             <p:cNvPr id="51" name="Rectangle 50"/>
@@ -3891,7 +3818,7 @@
           </p:nvSpPr>
           <p:spPr>
             <a:xfrm>
-              <a:off x="1399345" y="691225"/>
+              <a:off x="1382626" y="1653060"/>
               <a:ext cx="766689" cy="225050"/>
             </a:xfrm>
             <a:prstGeom prst="rect">
@@ -3938,8 +3865,8 @@
           </p:nvSpPr>
           <p:spPr>
             <a:xfrm>
-              <a:off x="1594176" y="631956"/>
-              <a:ext cx="377026" cy="307777"/>
+              <a:off x="1537144" y="1593791"/>
+              <a:ext cx="457652" cy="307777"/>
             </a:xfrm>
             <a:prstGeom prst="rect">
               <a:avLst/>
@@ -3952,29 +3879,15 @@
             </a:bodyPr>
             <a:lstStyle/>
             <a:p>
+              <a:pPr algn="ctr"/>
               <a:r>
                 <a:rPr lang="en-US" sz="1400" dirty="0" smtClean="0"/>
-                <a:t>B6</a:t>
+                <a:t>200</a:t>
               </a:r>
               <a:endParaRPr lang="en-US" sz="1400" dirty="0"/>
             </a:p>
           </p:txBody>
         </p:sp>
-      </p:grpSp>
-      <p:grpSp>
-        <p:nvGrpSpPr>
-          <p:cNvPr id="53" name="Group 52"/>
-          <p:cNvGrpSpPr/>
-          <p:nvPr/>
-        </p:nvGrpSpPr>
-        <p:grpSpPr>
-          <a:xfrm>
-            <a:off x="1371570" y="1822394"/>
-            <a:ext cx="766689" cy="307777"/>
-            <a:chOff x="1399345" y="631956"/>
-            <a:chExt cx="766689" cy="307777"/>
-          </a:xfrm>
-        </p:grpSpPr>
         <p:sp>
           <p:nvSpPr>
             <p:cNvPr id="54" name="Rectangle 53"/>
@@ -3983,7 +3896,7 @@
           </p:nvSpPr>
           <p:spPr>
             <a:xfrm>
-              <a:off x="1399345" y="691225"/>
+              <a:off x="1382626" y="1881663"/>
               <a:ext cx="766689" cy="225050"/>
             </a:xfrm>
             <a:prstGeom prst="rect">
@@ -4030,8 +3943,8 @@
           </p:nvSpPr>
           <p:spPr>
             <a:xfrm>
-              <a:off x="1594176" y="631956"/>
-              <a:ext cx="377026" cy="307777"/>
+              <a:off x="1537144" y="1822394"/>
+              <a:ext cx="457652" cy="307777"/>
             </a:xfrm>
             <a:prstGeom prst="rect">
               <a:avLst/>
@@ -4044,29 +3957,15 @@
             </a:bodyPr>
             <a:lstStyle/>
             <a:p>
+              <a:pPr algn="ctr"/>
               <a:r>
                 <a:rPr lang="en-US" sz="1400" dirty="0" smtClean="0"/>
-                <a:t>B7</a:t>
+                <a:t>225</a:t>
               </a:r>
               <a:endParaRPr lang="en-US" sz="1400" dirty="0"/>
             </a:p>
           </p:txBody>
         </p:sp>
-      </p:grpSp>
-      <p:grpSp>
-        <p:nvGrpSpPr>
-          <p:cNvPr id="56" name="Group 55"/>
-          <p:cNvGrpSpPr/>
-          <p:nvPr/>
-        </p:nvGrpSpPr>
-        <p:grpSpPr>
-          <a:xfrm>
-            <a:off x="1371564" y="2050997"/>
-            <a:ext cx="766689" cy="307777"/>
-            <a:chOff x="1399345" y="631956"/>
-            <a:chExt cx="766689" cy="307777"/>
-          </a:xfrm>
-        </p:grpSpPr>
         <p:sp>
           <p:nvSpPr>
             <p:cNvPr id="57" name="Rectangle 56"/>
@@ -4075,7 +3974,7 @@
           </p:nvSpPr>
           <p:spPr>
             <a:xfrm>
-              <a:off x="1399345" y="691225"/>
+              <a:off x="1382626" y="2110266"/>
               <a:ext cx="766689" cy="225050"/>
             </a:xfrm>
             <a:prstGeom prst="rect">
@@ -4122,8 +4021,8 @@
           </p:nvSpPr>
           <p:spPr>
             <a:xfrm>
-              <a:off x="1594176" y="631956"/>
-              <a:ext cx="377026" cy="307777"/>
+              <a:off x="1582642" y="2050997"/>
+              <a:ext cx="366657" cy="307777"/>
             </a:xfrm>
             <a:prstGeom prst="rect">
               <a:avLst/>
@@ -4136,29 +4035,15 @@
             </a:bodyPr>
             <a:lstStyle/>
             <a:p>
+              <a:pPr algn="ctr"/>
               <a:r>
                 <a:rPr lang="en-US" sz="1400" dirty="0" smtClean="0"/>
-                <a:t>B8</a:t>
+                <a:t>50</a:t>
               </a:r>
               <a:endParaRPr lang="en-US" sz="1400" dirty="0"/>
             </a:p>
           </p:txBody>
         </p:sp>
-      </p:grpSp>
-      <p:grpSp>
-        <p:nvGrpSpPr>
-          <p:cNvPr id="59" name="Group 58"/>
-          <p:cNvGrpSpPr/>
-          <p:nvPr/>
-        </p:nvGrpSpPr>
-        <p:grpSpPr>
-          <a:xfrm>
-            <a:off x="1371558" y="2279600"/>
-            <a:ext cx="766689" cy="307777"/>
-            <a:chOff x="1399345" y="631956"/>
-            <a:chExt cx="766689" cy="307777"/>
-          </a:xfrm>
-        </p:grpSpPr>
         <p:sp>
           <p:nvSpPr>
             <p:cNvPr id="60" name="Rectangle 59"/>
@@ -4167,7 +4052,7 @@
           </p:nvSpPr>
           <p:spPr>
             <a:xfrm>
-              <a:off x="1399345" y="691225"/>
+              <a:off x="1382626" y="2338869"/>
               <a:ext cx="766689" cy="225050"/>
             </a:xfrm>
             <a:prstGeom prst="rect">
@@ -4214,8 +4099,8 @@
           </p:nvSpPr>
           <p:spPr>
             <a:xfrm>
-              <a:off x="1594176" y="631956"/>
-              <a:ext cx="377026" cy="307777"/>
+              <a:off x="1537144" y="2279600"/>
+              <a:ext cx="457652" cy="307777"/>
             </a:xfrm>
             <a:prstGeom prst="rect">
               <a:avLst/>
@@ -4228,29 +4113,15 @@
             </a:bodyPr>
             <a:lstStyle/>
             <a:p>
+              <a:pPr algn="ctr"/>
               <a:r>
                 <a:rPr lang="en-US" sz="1400" dirty="0" smtClean="0"/>
-                <a:t>B9</a:t>
+                <a:t>100</a:t>
               </a:r>
               <a:endParaRPr lang="en-US" sz="1400" dirty="0"/>
             </a:p>
           </p:txBody>
         </p:sp>
-      </p:grpSp>
-      <p:grpSp>
-        <p:nvGrpSpPr>
-          <p:cNvPr id="87" name="Group 86"/>
-          <p:cNvGrpSpPr/>
-          <p:nvPr/>
-        </p:nvGrpSpPr>
-        <p:grpSpPr>
-          <a:xfrm>
-            <a:off x="2362233" y="679373"/>
-            <a:ext cx="766689" cy="307777"/>
-            <a:chOff x="1399345" y="631956"/>
-            <a:chExt cx="766689" cy="307777"/>
-          </a:xfrm>
-        </p:grpSpPr>
         <p:sp>
           <p:nvSpPr>
             <p:cNvPr id="88" name="Rectangle 87"/>
@@ -4259,7 +4130,7 @@
           </p:nvSpPr>
           <p:spPr>
             <a:xfrm>
-              <a:off x="1399345" y="691225"/>
+              <a:off x="2418754" y="738642"/>
               <a:ext cx="766689" cy="225050"/>
             </a:xfrm>
             <a:prstGeom prst="rect">
@@ -4306,8 +4177,8 @@
           </p:nvSpPr>
           <p:spPr>
             <a:xfrm>
-              <a:off x="1594176" y="631956"/>
-              <a:ext cx="371391" cy="307777"/>
+              <a:off x="2527774" y="679373"/>
+              <a:ext cx="548648" cy="307777"/>
             </a:xfrm>
             <a:prstGeom prst="rect">
               <a:avLst/>
@@ -4322,27 +4193,12 @@
             <a:p>
               <a:r>
                 <a:rPr lang="en-US" sz="1400" dirty="0" smtClean="0"/>
-                <a:t>C2</a:t>
+                <a:t>1150</a:t>
               </a:r>
               <a:endParaRPr lang="en-US" sz="1400" dirty="0"/>
             </a:p>
           </p:txBody>
         </p:sp>
-      </p:grpSp>
-      <p:grpSp>
-        <p:nvGrpSpPr>
-          <p:cNvPr id="90" name="Group 89"/>
-          <p:cNvGrpSpPr/>
-          <p:nvPr/>
-        </p:nvGrpSpPr>
-        <p:grpSpPr>
-          <a:xfrm>
-            <a:off x="2362227" y="907976"/>
-            <a:ext cx="766689" cy="307777"/>
-            <a:chOff x="1399345" y="631956"/>
-            <a:chExt cx="766689" cy="307777"/>
-          </a:xfrm>
-        </p:grpSpPr>
         <p:sp>
           <p:nvSpPr>
             <p:cNvPr id="91" name="Rectangle 90"/>
@@ -4351,7 +4207,7 @@
           </p:nvSpPr>
           <p:spPr>
             <a:xfrm>
-              <a:off x="1399345" y="691225"/>
+              <a:off x="2418754" y="967245"/>
               <a:ext cx="766689" cy="225050"/>
             </a:xfrm>
             <a:prstGeom prst="rect">
@@ -4398,8 +4254,8 @@
           </p:nvSpPr>
           <p:spPr>
             <a:xfrm>
-              <a:off x="1594176" y="631956"/>
-              <a:ext cx="371391" cy="307777"/>
+              <a:off x="2505113" y="907976"/>
+              <a:ext cx="593970" cy="307777"/>
             </a:xfrm>
             <a:prstGeom prst="rect">
               <a:avLst/>
@@ -4413,32 +4269,13 @@
             <a:lstStyle/>
             <a:p>
               <a:r>
-                <a:rPr lang="en-US" sz="1400" dirty="0"/>
-                <a:t>C</a:t>
-              </a:r>
-              <a:r>
                 <a:rPr lang="en-US" sz="1400" dirty="0" smtClean="0"/>
-                <a:t>3</a:t>
+                <a:t>36.75</a:t>
               </a:r>
               <a:endParaRPr lang="en-US" sz="1400" dirty="0"/>
             </a:p>
           </p:txBody>
         </p:sp>
-      </p:grpSp>
-      <p:grpSp>
-        <p:nvGrpSpPr>
-          <p:cNvPr id="93" name="Group 92"/>
-          <p:cNvGrpSpPr/>
-          <p:nvPr/>
-        </p:nvGrpSpPr>
-        <p:grpSpPr>
-          <a:xfrm>
-            <a:off x="2362221" y="1136579"/>
-            <a:ext cx="766689" cy="307777"/>
-            <a:chOff x="1399345" y="631956"/>
-            <a:chExt cx="766689" cy="307777"/>
-          </a:xfrm>
-        </p:grpSpPr>
         <p:sp>
           <p:nvSpPr>
             <p:cNvPr id="94" name="Rectangle 93"/>
@@ -4447,7 +4284,7 @@
           </p:nvSpPr>
           <p:spPr>
             <a:xfrm>
-              <a:off x="1399345" y="691225"/>
+              <a:off x="2418754" y="1195848"/>
               <a:ext cx="766689" cy="225050"/>
             </a:xfrm>
             <a:prstGeom prst="rect">
@@ -4494,8 +4331,8 @@
           </p:nvSpPr>
           <p:spPr>
             <a:xfrm>
-              <a:off x="1594176" y="631956"/>
-              <a:ext cx="371391" cy="307777"/>
+              <a:off x="2504581" y="1136579"/>
+              <a:ext cx="595035" cy="307777"/>
             </a:xfrm>
             <a:prstGeom prst="rect">
               <a:avLst/>
@@ -4509,32 +4346,13 @@
             <a:lstStyle/>
             <a:p>
               <a:r>
-                <a:rPr lang="en-US" sz="1400" dirty="0"/>
-                <a:t>C</a:t>
-              </a:r>
-              <a:r>
                 <a:rPr lang="en-US" sz="1400" dirty="0" smtClean="0"/>
-                <a:t>4</a:t>
+                <a:t>87.23</a:t>
               </a:r>
               <a:endParaRPr lang="en-US" sz="1400" dirty="0"/>
             </a:p>
           </p:txBody>
         </p:sp>
-      </p:grpSp>
-      <p:grpSp>
-        <p:nvGrpSpPr>
-          <p:cNvPr id="96" name="Group 95"/>
-          <p:cNvGrpSpPr/>
-          <p:nvPr/>
-        </p:nvGrpSpPr>
-        <p:grpSpPr>
-          <a:xfrm>
-            <a:off x="2362215" y="1365182"/>
-            <a:ext cx="766689" cy="307777"/>
-            <a:chOff x="1399345" y="631956"/>
-            <a:chExt cx="766689" cy="307777"/>
-          </a:xfrm>
-        </p:grpSpPr>
         <p:sp>
           <p:nvSpPr>
             <p:cNvPr id="97" name="Rectangle 96"/>
@@ -4543,7 +4361,7 @@
           </p:nvSpPr>
           <p:spPr>
             <a:xfrm>
-              <a:off x="1399345" y="691225"/>
+              <a:off x="2418754" y="1424451"/>
               <a:ext cx="766689" cy="225050"/>
             </a:xfrm>
             <a:prstGeom prst="rect">
@@ -4590,8 +4408,8 @@
           </p:nvSpPr>
           <p:spPr>
             <a:xfrm>
-              <a:off x="1594176" y="631956"/>
-              <a:ext cx="371391" cy="307777"/>
+              <a:off x="2505113" y="1365182"/>
+              <a:ext cx="593970" cy="307777"/>
             </a:xfrm>
             <a:prstGeom prst="rect">
               <a:avLst/>
@@ -4605,32 +4423,13 @@
             <a:lstStyle/>
             <a:p>
               <a:r>
-                <a:rPr lang="en-US" sz="1400" dirty="0"/>
-                <a:t>C</a:t>
-              </a:r>
-              <a:r>
                 <a:rPr lang="en-US" sz="1400" dirty="0" smtClean="0"/>
-                <a:t>5</a:t>
+                <a:t>11.25</a:t>
               </a:r>
               <a:endParaRPr lang="en-US" sz="1400" dirty="0"/>
             </a:p>
           </p:txBody>
         </p:sp>
-      </p:grpSp>
-      <p:grpSp>
-        <p:nvGrpSpPr>
-          <p:cNvPr id="99" name="Group 98"/>
-          <p:cNvGrpSpPr/>
-          <p:nvPr/>
-        </p:nvGrpSpPr>
-        <p:grpSpPr>
-          <a:xfrm>
-            <a:off x="2362209" y="1593785"/>
-            <a:ext cx="766689" cy="307777"/>
-            <a:chOff x="1399345" y="631956"/>
-            <a:chExt cx="766689" cy="307777"/>
-          </a:xfrm>
-        </p:grpSpPr>
         <p:sp>
           <p:nvSpPr>
             <p:cNvPr id="100" name="Rectangle 99"/>
@@ -4639,7 +4438,7 @@
           </p:nvSpPr>
           <p:spPr>
             <a:xfrm>
-              <a:off x="1399345" y="691225"/>
+              <a:off x="2418754" y="1653054"/>
               <a:ext cx="766689" cy="225050"/>
             </a:xfrm>
             <a:prstGeom prst="rect">
@@ -4686,8 +4485,8 @@
           </p:nvSpPr>
           <p:spPr>
             <a:xfrm>
-              <a:off x="1594176" y="631956"/>
-              <a:ext cx="371391" cy="307777"/>
+              <a:off x="2459615" y="1593785"/>
+              <a:ext cx="684966" cy="307777"/>
             </a:xfrm>
             <a:prstGeom prst="rect">
               <a:avLst/>
@@ -4701,32 +4500,13 @@
             <a:lstStyle/>
             <a:p>
               <a:r>
-                <a:rPr lang="en-US" sz="1400" dirty="0"/>
-                <a:t>C</a:t>
-              </a:r>
-              <a:r>
                 <a:rPr lang="en-US" sz="1400" dirty="0" smtClean="0"/>
-                <a:t>6</a:t>
+                <a:t>187.81</a:t>
               </a:r>
               <a:endParaRPr lang="en-US" sz="1400" dirty="0"/>
             </a:p>
           </p:txBody>
         </p:sp>
-      </p:grpSp>
-      <p:grpSp>
-        <p:nvGrpSpPr>
-          <p:cNvPr id="102" name="Group 101"/>
-          <p:cNvGrpSpPr/>
-          <p:nvPr/>
-        </p:nvGrpSpPr>
-        <p:grpSpPr>
-          <a:xfrm>
-            <a:off x="2362203" y="1822388"/>
-            <a:ext cx="766689" cy="307777"/>
-            <a:chOff x="1399345" y="631956"/>
-            <a:chExt cx="766689" cy="307777"/>
-          </a:xfrm>
-        </p:grpSpPr>
         <p:sp>
           <p:nvSpPr>
             <p:cNvPr id="103" name="Rectangle 102"/>
@@ -4735,7 +4515,7 @@
           </p:nvSpPr>
           <p:spPr>
             <a:xfrm>
-              <a:off x="1399345" y="691225"/>
+              <a:off x="2418754" y="1881657"/>
               <a:ext cx="766689" cy="225050"/>
             </a:xfrm>
             <a:prstGeom prst="rect">
@@ -4782,8 +4562,8 @@
           </p:nvSpPr>
           <p:spPr>
             <a:xfrm>
-              <a:off x="1594176" y="631956"/>
-              <a:ext cx="371391" cy="307777"/>
+              <a:off x="2573272" y="1822388"/>
+              <a:ext cx="457652" cy="307777"/>
             </a:xfrm>
             <a:prstGeom prst="rect">
               <a:avLst/>
@@ -4797,32 +4577,13 @@
             <a:lstStyle/>
             <a:p>
               <a:r>
-                <a:rPr lang="en-US" sz="1400" dirty="0"/>
-                <a:t>C</a:t>
-              </a:r>
-              <a:r>
                 <a:rPr lang="en-US" sz="1400" dirty="0" smtClean="0"/>
-                <a:t>7</a:t>
+                <a:t>225</a:t>
               </a:r>
               <a:endParaRPr lang="en-US" sz="1400" dirty="0"/>
             </a:p>
           </p:txBody>
         </p:sp>
-      </p:grpSp>
-      <p:grpSp>
-        <p:nvGrpSpPr>
-          <p:cNvPr id="105" name="Group 104"/>
-          <p:cNvGrpSpPr/>
-          <p:nvPr/>
-        </p:nvGrpSpPr>
-        <p:grpSpPr>
-          <a:xfrm>
-            <a:off x="2362197" y="2050991"/>
-            <a:ext cx="766689" cy="307777"/>
-            <a:chOff x="1399345" y="631956"/>
-            <a:chExt cx="766689" cy="307777"/>
-          </a:xfrm>
-        </p:grpSpPr>
         <p:sp>
           <p:nvSpPr>
             <p:cNvPr id="106" name="Rectangle 105"/>
@@ -4831,7 +4592,7 @@
           </p:nvSpPr>
           <p:spPr>
             <a:xfrm>
-              <a:off x="1399345" y="691225"/>
+              <a:off x="2418754" y="2110260"/>
               <a:ext cx="766689" cy="225050"/>
             </a:xfrm>
             <a:prstGeom prst="rect">
@@ -4878,8 +4639,8 @@
           </p:nvSpPr>
           <p:spPr>
             <a:xfrm>
-              <a:off x="1594176" y="631956"/>
-              <a:ext cx="371391" cy="307777"/>
+              <a:off x="2504581" y="2050991"/>
+              <a:ext cx="595035" cy="307777"/>
             </a:xfrm>
             <a:prstGeom prst="rect">
               <a:avLst/>
@@ -4893,32 +4654,13 @@
             <a:lstStyle/>
             <a:p>
               <a:r>
-                <a:rPr lang="en-US" sz="1400" dirty="0"/>
-                <a:t>C</a:t>
-              </a:r>
-              <a:r>
                 <a:rPr lang="en-US" sz="1400" dirty="0" smtClean="0"/>
-                <a:t>8</a:t>
+                <a:t>62.30</a:t>
               </a:r>
               <a:endParaRPr lang="en-US" sz="1400" dirty="0"/>
             </a:p>
           </p:txBody>
         </p:sp>
-      </p:grpSp>
-      <p:grpSp>
-        <p:nvGrpSpPr>
-          <p:cNvPr id="108" name="Group 107"/>
-          <p:cNvGrpSpPr/>
-          <p:nvPr/>
-        </p:nvGrpSpPr>
-        <p:grpSpPr>
-          <a:xfrm>
-            <a:off x="2362191" y="2279594"/>
-            <a:ext cx="766689" cy="307777"/>
-            <a:chOff x="1399345" y="631956"/>
-            <a:chExt cx="766689" cy="307777"/>
-          </a:xfrm>
-        </p:grpSpPr>
         <p:sp>
           <p:nvSpPr>
             <p:cNvPr id="109" name="Rectangle 108"/>
@@ -4927,7 +4669,7 @@
           </p:nvSpPr>
           <p:spPr>
             <a:xfrm>
-              <a:off x="1399345" y="691225"/>
+              <a:off x="2418754" y="2338863"/>
               <a:ext cx="766689" cy="225050"/>
             </a:xfrm>
             <a:prstGeom prst="rect">
@@ -4974,8 +4716,8 @@
           </p:nvSpPr>
           <p:spPr>
             <a:xfrm>
-              <a:off x="1594176" y="631956"/>
-              <a:ext cx="371391" cy="307777"/>
+              <a:off x="2504581" y="2279594"/>
+              <a:ext cx="595035" cy="307777"/>
             </a:xfrm>
             <a:prstGeom prst="rect">
               <a:avLst/>
@@ -4989,14 +4731,40 @@
             <a:lstStyle/>
             <a:p>
               <a:r>
-                <a:rPr lang="en-US" sz="1400" dirty="0"/>
-                <a:t>C</a:t>
-              </a:r>
-              <a:r>
                 <a:rPr lang="en-US" sz="1400" dirty="0" smtClean="0"/>
-                <a:t>9</a:t>
+                <a:t>59.99</a:t>
               </a:r>
               <a:endParaRPr lang="en-US" sz="1400" dirty="0"/>
+            </a:p>
+          </p:txBody>
+        </p:sp>
+        <p:sp>
+          <p:nvSpPr>
+            <p:cNvPr id="120" name="TextBox 119"/>
+            <p:cNvSpPr txBox="1"/>
+            <p:nvPr/>
+          </p:nvSpPr>
+          <p:spPr>
+            <a:xfrm>
+              <a:off x="2415141" y="2765153"/>
+              <a:ext cx="940281" cy="276999"/>
+            </a:xfrm>
+            <a:prstGeom prst="rect">
+              <a:avLst/>
+            </a:prstGeom>
+            <a:noFill/>
+          </p:spPr>
+          <p:txBody>
+            <a:bodyPr wrap="none" rtlCol="0">
+              <a:spAutoFit/>
+            </a:bodyPr>
+            <a:lstStyle/>
+            <a:p>
+              <a:r>
+                <a:rPr lang="en-US" sz="1200" dirty="0" smtClean="0"/>
+                <a:t>SUM(C2:C9)</a:t>
+              </a:r>
+              <a:endParaRPr lang="en-US" sz="1200" dirty="0"/>
             </a:p>
           </p:txBody>
         </p:sp>

--- a/PLDI-2012/diagrams.pptx
+++ b/PLDI-2012/diagrams.pptx
@@ -3095,6 +3095,82 @@
           <a:chExt cx="0" cy="0"/>
         </a:xfrm>
       </p:grpSpPr>
+      <p:sp>
+        <p:nvSpPr>
+          <p:cNvPr id="129" name="Rectangle 128"/>
+          <p:cNvSpPr/>
+          <p:nvPr/>
+        </p:nvSpPr>
+        <p:spPr>
+          <a:xfrm>
+            <a:off x="2415141" y="740424"/>
+            <a:ext cx="766689" cy="1825272"/>
+          </a:xfrm>
+          <a:prstGeom prst="rect">
+            <a:avLst/>
+          </a:prstGeom>
+        </p:spPr>
+        <p:style>
+          <a:lnRef idx="1">
+            <a:schemeClr val="accent1"/>
+          </a:lnRef>
+          <a:fillRef idx="3">
+            <a:schemeClr val="accent1"/>
+          </a:fillRef>
+          <a:effectRef idx="2">
+            <a:schemeClr val="accent1"/>
+          </a:effectRef>
+          <a:fontRef idx="minor">
+            <a:schemeClr val="lt1"/>
+          </a:fontRef>
+        </p:style>
+        <p:txBody>
+          <a:bodyPr rtlCol="0" anchor="ctr"/>
+          <a:lstStyle/>
+          <a:p>
+            <a:pPr algn="ctr"/>
+            <a:endParaRPr lang="en-US"/>
+          </a:p>
+        </p:txBody>
+      </p:sp>
+      <p:sp>
+        <p:nvSpPr>
+          <p:cNvPr id="128" name="Rectangle 127"/>
+          <p:cNvSpPr/>
+          <p:nvPr/>
+        </p:nvSpPr>
+        <p:spPr>
+          <a:xfrm>
+            <a:off x="1382626" y="738642"/>
+            <a:ext cx="766689" cy="1825272"/>
+          </a:xfrm>
+          <a:prstGeom prst="rect">
+            <a:avLst/>
+          </a:prstGeom>
+        </p:spPr>
+        <p:style>
+          <a:lnRef idx="1">
+            <a:schemeClr val="accent1"/>
+          </a:lnRef>
+          <a:fillRef idx="3">
+            <a:schemeClr val="accent1"/>
+          </a:fillRef>
+          <a:effectRef idx="2">
+            <a:schemeClr val="accent1"/>
+          </a:effectRef>
+          <a:fontRef idx="minor">
+            <a:schemeClr val="lt1"/>
+          </a:fontRef>
+        </p:style>
+        <p:txBody>
+          <a:bodyPr rtlCol="0" anchor="ctr"/>
+          <a:lstStyle/>
+          <a:p>
+            <a:pPr algn="ctr"/>
+            <a:endParaRPr lang="en-US"/>
+          </a:p>
+        </p:txBody>
+      </p:sp>
       <p:grpSp>
         <p:nvGrpSpPr>
           <p:cNvPr id="127" name="Group 126"/>
@@ -3501,7 +3577,7 @@
           <p:spPr>
             <a:xfrm>
               <a:off x="1147685" y="2756686"/>
-              <a:ext cx="943588" cy="276999"/>
+              <a:ext cx="880344" cy="261610"/>
             </a:xfrm>
             <a:prstGeom prst="rect">
               <a:avLst/>
@@ -3515,10 +3591,10 @@
             <a:lstStyle/>
             <a:p>
               <a:r>
-                <a:rPr lang="en-US" sz="1200" dirty="0" smtClean="0"/>
+                <a:rPr lang="en-US" sz="1100" dirty="0" smtClean="0"/>
                 <a:t>SUM(B2:B9)</a:t>
               </a:r>
-              <a:endParaRPr lang="en-US" sz="1200" dirty="0"/>
+              <a:endParaRPr lang="en-US" sz="1100" dirty="0"/>
             </a:p>
           </p:txBody>
         </p:sp>
@@ -3530,8 +3606,8 @@
           </p:nvSpPr>
           <p:spPr>
             <a:xfrm>
-              <a:off x="1576130" y="3459425"/>
-              <a:ext cx="1386367" cy="523220"/>
+              <a:off x="1619048" y="3459425"/>
+              <a:ext cx="1300531" cy="492443"/>
             </a:xfrm>
             <a:prstGeom prst="rect">
               <a:avLst/>
@@ -3546,7 +3622,7 @@
             <a:p>
               <a:pPr algn="ctr"/>
               <a:r>
-                <a:rPr lang="en-US" sz="1400" dirty="0" smtClean="0">
+                <a:rPr lang="en-US" sz="1300" dirty="0" smtClean="0">
                   <a:solidFill>
                     <a:srgbClr val="FFFFFF"/>
                   </a:solidFill>
@@ -3554,21 +3630,21 @@
                 <a:t>IF(B10-C10≥150,</a:t>
               </a:r>
               <a:br>
-                <a:rPr lang="en-US" sz="1400" dirty="0" smtClean="0">
+                <a:rPr lang="en-US" sz="1300" dirty="0" smtClean="0">
                   <a:solidFill>
                     <a:srgbClr val="FFFFFF"/>
                   </a:solidFill>
                 </a:rPr>
               </a:br>
               <a:r>
-                <a:rPr lang="en-US" sz="1400" dirty="0" smtClean="0">
+                <a:rPr lang="en-US" sz="1300" dirty="0" smtClean="0">
                   <a:solidFill>
                     <a:srgbClr val="FFFFFF"/>
                   </a:solidFill>
                 </a:rPr>
                 <a:t>”Yes”,”No”)</a:t>
               </a:r>
-              <a:endParaRPr lang="en-US" sz="1400" dirty="0">
+              <a:endParaRPr lang="en-US" sz="1300" dirty="0">
                 <a:solidFill>
                   <a:srgbClr val="FFFFFF"/>
                 </a:solidFill>
@@ -4747,7 +4823,7 @@
           <p:spPr>
             <a:xfrm>
               <a:off x="2415141" y="2765153"/>
-              <a:ext cx="940281" cy="276999"/>
+              <a:ext cx="877313" cy="261610"/>
             </a:xfrm>
             <a:prstGeom prst="rect">
               <a:avLst/>
@@ -4761,10 +4837,10 @@
             <a:lstStyle/>
             <a:p>
               <a:r>
-                <a:rPr lang="en-US" sz="1200" dirty="0" smtClean="0"/>
+                <a:rPr lang="en-US" sz="1100" dirty="0" smtClean="0"/>
                 <a:t>SUM(C2:C9)</a:t>
               </a:r>
-              <a:endParaRPr lang="en-US" sz="1200" dirty="0"/>
+              <a:endParaRPr lang="en-US" sz="1100" dirty="0"/>
             </a:p>
           </p:txBody>
         </p:sp>
